--- a/ABC_call_analysis.pptx
+++ b/ABC_call_analysis.pptx
@@ -5,7 +5,7 @@
     <p:sldMasterId id="2147483660" r:id="rId1"/>
   </p:sldMasterIdLst>
   <p:notesMasterIdLst>
-    <p:notesMasterId r:id="rId22"/>
+    <p:notesMasterId r:id="rId23"/>
   </p:notesMasterIdLst>
   <p:sldIdLst>
     <p:sldId id="256" r:id="rId2"/>
@@ -22,12 +22,13 @@
     <p:sldId id="267" r:id="rId13"/>
     <p:sldId id="268" r:id="rId14"/>
     <p:sldId id="269" r:id="rId15"/>
-    <p:sldId id="270" r:id="rId16"/>
-    <p:sldId id="271" r:id="rId17"/>
-    <p:sldId id="272" r:id="rId18"/>
-    <p:sldId id="273" r:id="rId19"/>
-    <p:sldId id="274" r:id="rId20"/>
-    <p:sldId id="275" r:id="rId21"/>
+    <p:sldId id="276" r:id="rId16"/>
+    <p:sldId id="270" r:id="rId17"/>
+    <p:sldId id="271" r:id="rId18"/>
+    <p:sldId id="272" r:id="rId19"/>
+    <p:sldId id="273" r:id="rId20"/>
+    <p:sldId id="274" r:id="rId21"/>
+    <p:sldId id="275" r:id="rId22"/>
   </p:sldIdLst>
   <p:sldSz cx="9144000" cy="6858000" type="screen4x3"/>
   <p:notesSz cx="6858000" cy="9144000"/>
@@ -211,7 +212,7 @@
           <a:p>
             <a:fld id="{3D201854-7A16-48A0-AA2B-CC5B2279059D}" type="datetimeFigureOut">
               <a:rPr lang="en-IN" smtClean="0"/>
-              <a:t>18-05-2023</a:t>
+              <a:t>25-05-2023</a:t>
             </a:fld>
             <a:endParaRPr lang="en-IN"/>
           </a:p>
@@ -1188,7 +1189,7 @@
           <a:p>
             <a:fld id="{416CACEB-DAD4-4B9B-B164-C46B693B1563}" type="datetimeFigureOut">
               <a:rPr lang="en-IN" smtClean="0"/>
-              <a:t>18-05-2023</a:t>
+              <a:t>25-05-2023</a:t>
             </a:fld>
             <a:endParaRPr lang="en-IN"/>
           </a:p>
@@ -1384,7 +1385,7 @@
           <a:p>
             <a:fld id="{416CACEB-DAD4-4B9B-B164-C46B693B1563}" type="datetimeFigureOut">
               <a:rPr lang="en-IN" smtClean="0"/>
-              <a:t>18-05-2023</a:t>
+              <a:t>25-05-2023</a:t>
             </a:fld>
             <a:endParaRPr lang="en-IN"/>
           </a:p>
@@ -1569,7 +1570,7 @@
           <a:p>
             <a:fld id="{416CACEB-DAD4-4B9B-B164-C46B693B1563}" type="datetimeFigureOut">
               <a:rPr lang="en-IN" smtClean="0"/>
-              <a:t>18-05-2023</a:t>
+              <a:t>25-05-2023</a:t>
             </a:fld>
             <a:endParaRPr lang="en-IN"/>
           </a:p>
@@ -1719,7 +1720,7 @@
           <a:p>
             <a:fld id="{416CACEB-DAD4-4B9B-B164-C46B693B1563}" type="datetimeFigureOut">
               <a:rPr lang="en-IN" smtClean="0"/>
-              <a:t>18-05-2023</a:t>
+              <a:t>25-05-2023</a:t>
             </a:fld>
             <a:endParaRPr lang="en-IN"/>
           </a:p>
@@ -1974,7 +1975,7 @@
           <a:p>
             <a:fld id="{416CACEB-DAD4-4B9B-B164-C46B693B1563}" type="datetimeFigureOut">
               <a:rPr lang="en-IN" smtClean="0"/>
-              <a:t>18-05-2023</a:t>
+              <a:t>25-05-2023</a:t>
             </a:fld>
             <a:endParaRPr lang="en-IN"/>
           </a:p>
@@ -2383,7 +2384,7 @@
           <a:p>
             <a:fld id="{416CACEB-DAD4-4B9B-B164-C46B693B1563}" type="datetimeFigureOut">
               <a:rPr lang="en-IN" smtClean="0"/>
-              <a:t>18-05-2023</a:t>
+              <a:t>25-05-2023</a:t>
             </a:fld>
             <a:endParaRPr lang="en-IN"/>
           </a:p>
@@ -2829,7 +2830,7 @@
           <a:p>
             <a:fld id="{416CACEB-DAD4-4B9B-B164-C46B693B1563}" type="datetimeFigureOut">
               <a:rPr lang="en-IN" smtClean="0"/>
-              <a:t>18-05-2023</a:t>
+              <a:t>25-05-2023</a:t>
             </a:fld>
             <a:endParaRPr lang="en-IN"/>
           </a:p>
@@ -2930,7 +2931,7 @@
           <a:p>
             <a:fld id="{416CACEB-DAD4-4B9B-B164-C46B693B1563}" type="datetimeFigureOut">
               <a:rPr lang="en-IN" smtClean="0"/>
-              <a:t>18-05-2023</a:t>
+              <a:t>25-05-2023</a:t>
             </a:fld>
             <a:endParaRPr lang="en-IN"/>
           </a:p>
@@ -3051,7 +3052,7 @@
           <a:p>
             <a:fld id="{416CACEB-DAD4-4B9B-B164-C46B693B1563}" type="datetimeFigureOut">
               <a:rPr lang="en-IN" smtClean="0"/>
-              <a:t>18-05-2023</a:t>
+              <a:t>25-05-2023</a:t>
             </a:fld>
             <a:endParaRPr lang="en-IN"/>
           </a:p>
@@ -3325,7 +3326,7 @@
           <a:p>
             <a:fld id="{416CACEB-DAD4-4B9B-B164-C46B693B1563}" type="datetimeFigureOut">
               <a:rPr lang="en-IN" smtClean="0"/>
-              <a:t>18-05-2023</a:t>
+              <a:t>25-05-2023</a:t>
             </a:fld>
             <a:endParaRPr lang="en-IN"/>
           </a:p>
@@ -3530,7 +3531,7 @@
           <a:p>
             <a:fld id="{416CACEB-DAD4-4B9B-B164-C46B693B1563}" type="datetimeFigureOut">
               <a:rPr lang="en-IN" smtClean="0"/>
-              <a:t>18-05-2023</a:t>
+              <a:t>25-05-2023</a:t>
             </a:fld>
             <a:endParaRPr lang="en-IN"/>
           </a:p>
@@ -4639,7 +4640,7 @@
           <a:p>
             <a:fld id="{416CACEB-DAD4-4B9B-B164-C46B693B1563}" type="datetimeFigureOut">
               <a:rPr lang="en-IN" smtClean="0"/>
-              <a:t>18-05-2023</a:t>
+              <a:t>25-05-2023</a:t>
             </a:fld>
             <a:endParaRPr lang="en-IN"/>
           </a:p>
@@ -5606,7 +5607,7 @@
       </p:grpSpPr>
       <p:pic>
         <p:nvPicPr>
-          <p:cNvPr id="8194" name="Picture 2"/>
+          <p:cNvPr id="1026" name="Picture 2"/>
           <p:cNvPicPr>
             <a:picLocks noChangeAspect="1" noChangeArrowheads="1"/>
           </p:cNvPicPr>
@@ -5627,8 +5628,8 @@
         </p:blipFill>
         <p:spPr bwMode="auto">
           <a:xfrm>
-            <a:off x="683568" y="332656"/>
-            <a:ext cx="7488832" cy="936104"/>
+            <a:off x="539552" y="476672"/>
+            <a:ext cx="8208913" cy="792088"/>
           </a:xfrm>
           <a:prstGeom prst="rect">
             <a:avLst/>
@@ -5670,13 +5671,11 @@
       </p:pic>
       <p:pic>
         <p:nvPicPr>
-          <p:cNvPr id="8195" name="Picture 3"/>
+          <p:cNvPr id="1027" name="Picture 3"/>
           <p:cNvPicPr>
-            <a:picLocks noGrp="1" noChangeAspect="1" noChangeArrowheads="1"/>
+            <a:picLocks noChangeAspect="1" noChangeArrowheads="1"/>
           </p:cNvPicPr>
-          <p:nvPr>
-            <p:ph idx="1"/>
-          </p:nvPr>
+          <p:nvPr/>
         </p:nvPicPr>
         <p:blipFill>
           <a:blip r:embed="rId3">
@@ -5693,8 +5692,8 @@
         </p:blipFill>
         <p:spPr bwMode="auto">
           <a:xfrm>
-            <a:off x="709611" y="1700808"/>
-            <a:ext cx="7462789" cy="720080"/>
+            <a:off x="971600" y="1700808"/>
+            <a:ext cx="6768752" cy="798190"/>
           </a:xfrm>
           <a:prstGeom prst="rect">
             <a:avLst/>
@@ -5736,7 +5735,7 @@
       </p:pic>
       <p:pic>
         <p:nvPicPr>
-          <p:cNvPr id="8196" name="Picture 4"/>
+          <p:cNvPr id="1028" name="Picture 4"/>
           <p:cNvPicPr>
             <a:picLocks noChangeAspect="1" noChangeArrowheads="1"/>
           </p:cNvPicPr>
@@ -5757,8 +5756,8 @@
         </p:blipFill>
         <p:spPr bwMode="auto">
           <a:xfrm>
-            <a:off x="683568" y="2780928"/>
-            <a:ext cx="7488832" cy="3384376"/>
+            <a:off x="971600" y="2708920"/>
+            <a:ext cx="6768752" cy="3096344"/>
           </a:xfrm>
           <a:prstGeom prst="rect">
             <a:avLst/>
@@ -5830,7 +5829,7 @@
       </p:grpSpPr>
       <p:pic>
         <p:nvPicPr>
-          <p:cNvPr id="9219" name="Picture 3"/>
+          <p:cNvPr id="2050" name="Picture 2"/>
           <p:cNvPicPr>
             <a:picLocks noGrp="1" noChangeAspect="1" noChangeArrowheads="1"/>
           </p:cNvPicPr>
@@ -5853,8 +5852,8 @@
         </p:blipFill>
         <p:spPr bwMode="auto">
           <a:xfrm>
-            <a:off x="755576" y="1196752"/>
-            <a:ext cx="7632848" cy="4680520"/>
+            <a:off x="1403649" y="1412777"/>
+            <a:ext cx="6408712" cy="3755330"/>
           </a:xfrm>
           <a:prstGeom prst="rect">
             <a:avLst/>
@@ -5926,6 +5925,125 @@
       </p:grpSpPr>
       <p:sp>
         <p:nvSpPr>
+          <p:cNvPr id="3" name="Title 2"/>
+          <p:cNvSpPr>
+            <a:spLocks noGrp="1"/>
+          </p:cNvSpPr>
+          <p:nvPr>
+            <p:ph type="title"/>
+          </p:nvPr>
+        </p:nvSpPr>
+        <p:spPr/>
+        <p:txBody>
+          <a:bodyPr/>
+          <a:lstStyle/>
+          <a:p>
+            <a:r>
+              <a:rPr lang="en-IN" dirty="0" smtClean="0"/>
+              <a:t>Assumption for Q3&amp;Q4</a:t>
+            </a:r>
+            <a:endParaRPr lang="en-IN" dirty="0"/>
+          </a:p>
+        </p:txBody>
+      </p:sp>
+      <p:pic>
+        <p:nvPicPr>
+          <p:cNvPr id="3074" name="Picture 2"/>
+          <p:cNvPicPr>
+            <a:picLocks noGrp="1" noChangeAspect="1" noChangeArrowheads="1"/>
+          </p:cNvPicPr>
+          <p:nvPr>
+            <p:ph idx="1"/>
+          </p:nvPr>
+        </p:nvPicPr>
+        <p:blipFill>
+          <a:blip r:embed="rId2">
+            <a:extLst>
+              <a:ext uri="{28A0092B-C50C-407E-A947-70E740481C1C}">
+                <a14:useLocalDpi xmlns:a14="http://schemas.microsoft.com/office/drawing/2010/main" val="0"/>
+              </a:ext>
+            </a:extLst>
+          </a:blip>
+          <a:srcRect/>
+          <a:stretch>
+            <a:fillRect/>
+          </a:stretch>
+        </p:blipFill>
+        <p:spPr bwMode="auto">
+          <a:xfrm>
+            <a:off x="1187624" y="1988840"/>
+            <a:ext cx="6480720" cy="3456384"/>
+          </a:xfrm>
+          <a:prstGeom prst="rect">
+            <a:avLst/>
+          </a:prstGeom>
+          <a:noFill/>
+          <a:ln>
+            <a:noFill/>
+          </a:ln>
+          <a:effectLst/>
+          <a:extLst>
+            <a:ext uri="{909E8E84-426E-40DD-AFC4-6F175D3DCCD1}">
+              <a14:hiddenFill xmlns:a14="http://schemas.microsoft.com/office/drawing/2010/main">
+                <a:solidFill>
+                  <a:schemeClr val="accent1"/>
+                </a:solidFill>
+              </a14:hiddenFill>
+            </a:ext>
+            <a:ext uri="{91240B29-F687-4F45-9708-019B960494DF}">
+              <a14:hiddenLine xmlns:a14="http://schemas.microsoft.com/office/drawing/2010/main" w="9525">
+                <a:solidFill>
+                  <a:schemeClr val="tx1"/>
+                </a:solidFill>
+                <a:miter lim="800000"/>
+                <a:headEnd/>
+                <a:tailEnd/>
+              </a14:hiddenLine>
+            </a:ext>
+            <a:ext uri="{AF507438-7753-43E0-B8FC-AC1667EBCBE1}">
+              <a14:hiddenEffects xmlns:a14="http://schemas.microsoft.com/office/drawing/2010/main">
+                <a:effectLst>
+                  <a:outerShdw dist="35921" dir="2700000" algn="ctr" rotWithShape="0">
+                    <a:schemeClr val="bg2"/>
+                  </a:outerShdw>
+                </a:effectLst>
+              </a14:hiddenEffects>
+            </a:ext>
+          </a:extLst>
+        </p:spPr>
+      </p:pic>
+    </p:spTree>
+    <p:extLst>
+      <p:ext uri="{BB962C8B-B14F-4D97-AF65-F5344CB8AC3E}">
+        <p14:creationId xmlns:p14="http://schemas.microsoft.com/office/powerpoint/2010/main" val="4081308673"/>
+      </p:ext>
+    </p:extLst>
+  </p:cSld>
+  <p:clrMapOvr>
+    <a:masterClrMapping/>
+  </p:clrMapOvr>
+</p:sld>
+</file>
+
+<file path=ppt/slides/slide16.xml><?xml version="1.0" encoding="utf-8"?>
+<p:sld xmlns:a="http://schemas.openxmlformats.org/drawingml/2006/main" xmlns:r="http://schemas.openxmlformats.org/officeDocument/2006/relationships" xmlns:p="http://schemas.openxmlformats.org/presentationml/2006/main">
+  <p:cSld>
+    <p:spTree>
+      <p:nvGrpSpPr>
+        <p:cNvPr id="1" name=""/>
+        <p:cNvGrpSpPr/>
+        <p:nvPr/>
+      </p:nvGrpSpPr>
+      <p:grpSpPr>
+        <a:xfrm>
+          <a:off x="0" y="0"/>
+          <a:ext cx="0" cy="0"/>
+          <a:chOff x="0" y="0"/>
+          <a:chExt cx="0" cy="0"/>
+        </a:xfrm>
+      </p:grpSpPr>
+      <p:sp>
+        <p:nvSpPr>
           <p:cNvPr id="3" name="Content Placeholder 2"/>
           <p:cNvSpPr>
             <a:spLocks noGrp="1"/>
@@ -5972,7 +6090,7 @@
 </p:sld>
 </file>
 
-<file path=ppt/slides/slide16.xml><?xml version="1.0" encoding="utf-8"?>
+<file path=ppt/slides/slide17.xml><?xml version="1.0" encoding="utf-8"?>
 <p:sld xmlns:a="http://schemas.openxmlformats.org/drawingml/2006/main" xmlns:r="http://schemas.openxmlformats.org/officeDocument/2006/relationships" xmlns:p="http://schemas.openxmlformats.org/presentationml/2006/main">
   <p:cSld>
     <p:spTree>
@@ -6147,7 +6265,7 @@
 </p:sld>
 </file>
 
-<file path=ppt/slides/slide17.xml><?xml version="1.0" encoding="utf-8"?>
+<file path=ppt/slides/slide18.xml><?xml version="1.0" encoding="utf-8"?>
 <p:sld xmlns:a="http://schemas.openxmlformats.org/drawingml/2006/main" xmlns:r="http://schemas.openxmlformats.org/officeDocument/2006/relationships" xmlns:p="http://schemas.openxmlformats.org/presentationml/2006/main">
   <p:cSld>
     <p:spTree>
@@ -6307,7 +6425,7 @@
 </p:sld>
 </file>
 
-<file path=ppt/slides/slide18.xml><?xml version="1.0" encoding="utf-8"?>
+<file path=ppt/slides/slide19.xml><?xml version="1.0" encoding="utf-8"?>
 <p:sld xmlns:a="http://schemas.openxmlformats.org/drawingml/2006/main" xmlns:r="http://schemas.openxmlformats.org/officeDocument/2006/relationships" xmlns:p="http://schemas.openxmlformats.org/presentationml/2006/main">
   <p:cSld>
     <p:spTree>
@@ -6326,13 +6444,11 @@
       </p:grpSpPr>
       <p:pic>
         <p:nvPicPr>
-          <p:cNvPr id="12290" name="Picture 2"/>
+          <p:cNvPr id="4098" name="Picture 2"/>
           <p:cNvPicPr>
-            <a:picLocks noGrp="1" noChangeAspect="1" noChangeArrowheads="1"/>
+            <a:picLocks noChangeAspect="1" noChangeArrowheads="1"/>
           </p:cNvPicPr>
-          <p:nvPr>
-            <p:ph idx="1"/>
-          </p:nvPr>
+          <p:nvPr/>
         </p:nvPicPr>
         <p:blipFill>
           <a:blip r:embed="rId2">
@@ -6349,8 +6465,8 @@
         </p:blipFill>
         <p:spPr bwMode="auto">
           <a:xfrm>
-            <a:off x="1115616" y="1628800"/>
-            <a:ext cx="5904656" cy="2611958"/>
+            <a:off x="1115616" y="1772816"/>
+            <a:ext cx="6264695" cy="2499147"/>
           </a:xfrm>
           <a:prstGeom prst="rect">
             <a:avLst/>
@@ -6392,7 +6508,7 @@
       </p:pic>
       <p:pic>
         <p:nvPicPr>
-          <p:cNvPr id="12291" name="Picture 3"/>
+          <p:cNvPr id="4099" name="Picture 3"/>
           <p:cNvPicPr>
             <a:picLocks noChangeAspect="1" noChangeArrowheads="1"/>
           </p:cNvPicPr>
@@ -6413,8 +6529,8 @@
         </p:blipFill>
         <p:spPr bwMode="auto">
           <a:xfrm>
-            <a:off x="1115616" y="4653136"/>
-            <a:ext cx="5976664" cy="936104"/>
+            <a:off x="1115616" y="4509120"/>
+            <a:ext cx="6192688" cy="792088"/>
           </a:xfrm>
           <a:prstGeom prst="rect">
             <a:avLst/>
@@ -6467,7 +6583,167 @@
 </p:sld>
 </file>
 
-<file path=ppt/slides/slide19.xml><?xml version="1.0" encoding="utf-8"?>
+<file path=ppt/slides/slide2.xml><?xml version="1.0" encoding="utf-8"?>
+<p:sld xmlns:a="http://schemas.openxmlformats.org/drawingml/2006/main" xmlns:r="http://schemas.openxmlformats.org/officeDocument/2006/relationships" xmlns:p="http://schemas.openxmlformats.org/presentationml/2006/main">
+  <p:cSld>
+    <p:spTree>
+      <p:nvGrpSpPr>
+        <p:cNvPr id="1" name=""/>
+        <p:cNvGrpSpPr/>
+        <p:nvPr/>
+      </p:nvGrpSpPr>
+      <p:grpSpPr>
+        <a:xfrm>
+          <a:off x="0" y="0"/>
+          <a:ext cx="0" cy="0"/>
+          <a:chOff x="0" y="0"/>
+          <a:chExt cx="0" cy="0"/>
+        </a:xfrm>
+      </p:grpSpPr>
+      <p:sp>
+        <p:nvSpPr>
+          <p:cNvPr id="3" name="Content Placeholder 2"/>
+          <p:cNvSpPr>
+            <a:spLocks noGrp="1"/>
+          </p:cNvSpPr>
+          <p:nvPr>
+            <p:ph idx="1"/>
+          </p:nvPr>
+        </p:nvSpPr>
+        <p:spPr/>
+        <p:txBody>
+          <a:bodyPr>
+            <a:normAutofit fontScale="77500" lnSpcReduction="20000"/>
+          </a:bodyPr>
+          <a:lstStyle/>
+          <a:p>
+            <a:r>
+              <a:rPr lang="en-US" sz="2800" dirty="0" smtClean="0"/>
+              <a:t>I have a </a:t>
+            </a:r>
+            <a:r>
+              <a:rPr lang="en-US" sz="2800" dirty="0"/>
+              <a:t>dataset of a Customer Experience (CX) Inbound calling team for 23 </a:t>
+            </a:r>
+            <a:r>
+              <a:rPr lang="en-US" sz="2800" dirty="0" smtClean="0"/>
+              <a:t>days. Dataset contain multiple columns like </a:t>
+            </a:r>
+          </a:p>
+          <a:p>
+            <a:pPr marL="0" indent="0">
+              <a:buNone/>
+            </a:pPr>
+            <a:r>
+              <a:rPr lang="en-US" sz="2800" dirty="0" smtClean="0"/>
+              <a:t>   Customer_Phone_No, </a:t>
+            </a:r>
+            <a:r>
+              <a:rPr lang="en-US" sz="2800" dirty="0" err="1" smtClean="0"/>
+              <a:t>Date_&amp;_Time</a:t>
+            </a:r>
+            <a:r>
+              <a:rPr lang="en-US" sz="2800" dirty="0" smtClean="0"/>
+              <a:t>, Time, </a:t>
+            </a:r>
+            <a:r>
+              <a:rPr lang="en-US" sz="2800" dirty="0" err="1" smtClean="0"/>
+              <a:t>Time_Bucket</a:t>
+            </a:r>
+            <a:r>
+              <a:rPr lang="en-US" sz="2800" dirty="0" smtClean="0"/>
+              <a:t>,</a:t>
+            </a:r>
+          </a:p>
+          <a:p>
+            <a:pPr marL="0" indent="0">
+              <a:buNone/>
+            </a:pPr>
+            <a:r>
+              <a:rPr lang="en-US" sz="2800" dirty="0" smtClean="0"/>
+              <a:t>   Duration(</a:t>
+            </a:r>
+            <a:r>
+              <a:rPr lang="en-US" sz="2800" dirty="0" err="1" smtClean="0"/>
+              <a:t>hh:mm:ss</a:t>
+            </a:r>
+            <a:r>
+              <a:rPr lang="en-US" sz="2800" dirty="0" smtClean="0"/>
+              <a:t>),Call_Seconds(s),Call_Status,Wrapped       </a:t>
+            </a:r>
+            <a:endParaRPr lang="en-IN" sz="2800" dirty="0" smtClean="0"/>
+          </a:p>
+          <a:p>
+            <a:r>
+              <a:rPr lang="en-IN" sz="2800" dirty="0" smtClean="0"/>
+              <a:t>In the given project we have to calculate the average call duration and total number of call per hour</a:t>
+            </a:r>
+          </a:p>
+          <a:p>
+            <a:r>
+              <a:rPr lang="en-IN" sz="2800" dirty="0" smtClean="0"/>
+              <a:t>We had to propose a manpower plan required during each time bucket and reduce the abandon rate to 10%</a:t>
+            </a:r>
+          </a:p>
+          <a:p>
+            <a:r>
+              <a:rPr lang="en-IN" sz="2800" dirty="0" smtClean="0"/>
+              <a:t>We also have to propose a manpower plan when calls are received across the 24 hours </a:t>
+            </a:r>
+          </a:p>
+          <a:p>
+            <a:pPr marL="0" indent="0">
+              <a:buNone/>
+            </a:pPr>
+            <a:endParaRPr lang="en-IN" sz="3100" dirty="0"/>
+          </a:p>
+        </p:txBody>
+      </p:sp>
+      <p:sp>
+        <p:nvSpPr>
+          <p:cNvPr id="2" name="Title 1"/>
+          <p:cNvSpPr>
+            <a:spLocks noGrp="1"/>
+          </p:cNvSpPr>
+          <p:nvPr>
+            <p:ph type="title"/>
+          </p:nvPr>
+        </p:nvSpPr>
+        <p:spPr/>
+        <p:txBody>
+          <a:bodyPr/>
+          <a:lstStyle/>
+          <a:p>
+            <a:r>
+              <a:rPr lang="en-IN" dirty="0" smtClean="0"/>
+              <a:t>Project</a:t>
+            </a:r>
+            <a:r>
+              <a:rPr lang="en-IN" sz="4000" dirty="0" smtClean="0"/>
+              <a:t> </a:t>
+            </a:r>
+            <a:r>
+              <a:rPr lang="en-IN" dirty="0" smtClean="0"/>
+              <a:t>description</a:t>
+            </a:r>
+            <a:endParaRPr lang="en-IN" dirty="0"/>
+          </a:p>
+        </p:txBody>
+      </p:sp>
+    </p:spTree>
+    <p:extLst>
+      <p:ext uri="{BB962C8B-B14F-4D97-AF65-F5344CB8AC3E}">
+        <p14:creationId xmlns:p14="http://schemas.microsoft.com/office/powerpoint/2010/main" val="3128207247"/>
+      </p:ext>
+    </p:extLst>
+  </p:cSld>
+  <p:clrMapOvr>
+    <a:masterClrMapping/>
+  </p:clrMapOvr>
+</p:sld>
+</file>
+
+<file path=ppt/slides/slide20.xml><?xml version="1.0" encoding="utf-8"?>
 <p:sld xmlns:a="http://schemas.openxmlformats.org/drawingml/2006/main" xmlns:r="http://schemas.openxmlformats.org/officeDocument/2006/relationships" xmlns:p="http://schemas.openxmlformats.org/presentationml/2006/main">
   <p:cSld>
     <p:spTree>
@@ -6486,7 +6762,7 @@
       </p:grpSpPr>
       <p:pic>
         <p:nvPicPr>
-          <p:cNvPr id="13314" name="Picture 2"/>
+          <p:cNvPr id="5122" name="Picture 2"/>
           <p:cNvPicPr>
             <a:picLocks noGrp="1" noChangeAspect="1" noChangeArrowheads="1"/>
           </p:cNvPicPr>
@@ -6509,8 +6785,8 @@
         </p:blipFill>
         <p:spPr bwMode="auto">
           <a:xfrm>
-            <a:off x="1331640" y="1628800"/>
-            <a:ext cx="6696744" cy="4032448"/>
+            <a:off x="1907704" y="1772816"/>
+            <a:ext cx="5400600" cy="3744416"/>
           </a:xfrm>
           <a:prstGeom prst="rect">
             <a:avLst/>
@@ -6563,167 +6839,7 @@
 </p:sld>
 </file>
 
-<file path=ppt/slides/slide2.xml><?xml version="1.0" encoding="utf-8"?>
-<p:sld xmlns:a="http://schemas.openxmlformats.org/drawingml/2006/main" xmlns:r="http://schemas.openxmlformats.org/officeDocument/2006/relationships" xmlns:p="http://schemas.openxmlformats.org/presentationml/2006/main">
-  <p:cSld>
-    <p:spTree>
-      <p:nvGrpSpPr>
-        <p:cNvPr id="1" name=""/>
-        <p:cNvGrpSpPr/>
-        <p:nvPr/>
-      </p:nvGrpSpPr>
-      <p:grpSpPr>
-        <a:xfrm>
-          <a:off x="0" y="0"/>
-          <a:ext cx="0" cy="0"/>
-          <a:chOff x="0" y="0"/>
-          <a:chExt cx="0" cy="0"/>
-        </a:xfrm>
-      </p:grpSpPr>
-      <p:sp>
-        <p:nvSpPr>
-          <p:cNvPr id="3" name="Content Placeholder 2"/>
-          <p:cNvSpPr>
-            <a:spLocks noGrp="1"/>
-          </p:cNvSpPr>
-          <p:nvPr>
-            <p:ph idx="1"/>
-          </p:nvPr>
-        </p:nvSpPr>
-        <p:spPr/>
-        <p:txBody>
-          <a:bodyPr>
-            <a:normAutofit fontScale="77500" lnSpcReduction="20000"/>
-          </a:bodyPr>
-          <a:lstStyle/>
-          <a:p>
-            <a:r>
-              <a:rPr lang="en-US" sz="2800" dirty="0" smtClean="0"/>
-              <a:t>I have a </a:t>
-            </a:r>
-            <a:r>
-              <a:rPr lang="en-US" sz="2800" dirty="0"/>
-              <a:t>dataset of a Customer Experience (CX) Inbound calling team for 23 </a:t>
-            </a:r>
-            <a:r>
-              <a:rPr lang="en-US" sz="2800" dirty="0" smtClean="0"/>
-              <a:t>days. Dataset contain multiple columns like </a:t>
-            </a:r>
-          </a:p>
-          <a:p>
-            <a:pPr marL="0" indent="0">
-              <a:buNone/>
-            </a:pPr>
-            <a:r>
-              <a:rPr lang="en-US" sz="2800" dirty="0" smtClean="0"/>
-              <a:t>   Customer_Phone_No, </a:t>
-            </a:r>
-            <a:r>
-              <a:rPr lang="en-US" sz="2800" dirty="0" err="1" smtClean="0"/>
-              <a:t>Date_&amp;_Time</a:t>
-            </a:r>
-            <a:r>
-              <a:rPr lang="en-US" sz="2800" dirty="0" smtClean="0"/>
-              <a:t>, Time, </a:t>
-            </a:r>
-            <a:r>
-              <a:rPr lang="en-US" sz="2800" dirty="0" err="1" smtClean="0"/>
-              <a:t>Time_Bucket</a:t>
-            </a:r>
-            <a:r>
-              <a:rPr lang="en-US" sz="2800" dirty="0" smtClean="0"/>
-              <a:t>,</a:t>
-            </a:r>
-          </a:p>
-          <a:p>
-            <a:pPr marL="0" indent="0">
-              <a:buNone/>
-            </a:pPr>
-            <a:r>
-              <a:rPr lang="en-US" sz="2800" dirty="0" smtClean="0"/>
-              <a:t>   Duration(</a:t>
-            </a:r>
-            <a:r>
-              <a:rPr lang="en-US" sz="2800" dirty="0" err="1" smtClean="0"/>
-              <a:t>hh:mm:ss</a:t>
-            </a:r>
-            <a:r>
-              <a:rPr lang="en-US" sz="2800" dirty="0" smtClean="0"/>
-              <a:t>),Call_Seconds(s),Call_Status,Wrapped       </a:t>
-            </a:r>
-            <a:endParaRPr lang="en-IN" sz="2800" dirty="0" smtClean="0"/>
-          </a:p>
-          <a:p>
-            <a:r>
-              <a:rPr lang="en-IN" sz="2800" dirty="0" smtClean="0"/>
-              <a:t>In the given project we have to calculate the average call duration and total number of call per hour</a:t>
-            </a:r>
-          </a:p>
-          <a:p>
-            <a:r>
-              <a:rPr lang="en-IN" sz="2800" dirty="0" smtClean="0"/>
-              <a:t>We had to propose a manpower plan required during each time bucket and reduce the abandon rate to 10%</a:t>
-            </a:r>
-          </a:p>
-          <a:p>
-            <a:r>
-              <a:rPr lang="en-IN" sz="2800" dirty="0" smtClean="0"/>
-              <a:t>We also have to propose a manpower plan when calls are received across the 24 hours </a:t>
-            </a:r>
-          </a:p>
-          <a:p>
-            <a:pPr marL="0" indent="0">
-              <a:buNone/>
-            </a:pPr>
-            <a:endParaRPr lang="en-IN" sz="3100" dirty="0"/>
-          </a:p>
-        </p:txBody>
-      </p:sp>
-      <p:sp>
-        <p:nvSpPr>
-          <p:cNvPr id="2" name="Title 1"/>
-          <p:cNvSpPr>
-            <a:spLocks noGrp="1"/>
-          </p:cNvSpPr>
-          <p:nvPr>
-            <p:ph type="title"/>
-          </p:nvPr>
-        </p:nvSpPr>
-        <p:spPr/>
-        <p:txBody>
-          <a:bodyPr/>
-          <a:lstStyle/>
-          <a:p>
-            <a:r>
-              <a:rPr lang="en-IN" dirty="0" smtClean="0"/>
-              <a:t>Project</a:t>
-            </a:r>
-            <a:r>
-              <a:rPr lang="en-IN" sz="4000" dirty="0" smtClean="0"/>
-              <a:t> </a:t>
-            </a:r>
-            <a:r>
-              <a:rPr lang="en-IN" dirty="0" smtClean="0"/>
-              <a:t>description</a:t>
-            </a:r>
-            <a:endParaRPr lang="en-IN" dirty="0"/>
-          </a:p>
-        </p:txBody>
-      </p:sp>
-    </p:spTree>
-    <p:extLst>
-      <p:ext uri="{BB962C8B-B14F-4D97-AF65-F5344CB8AC3E}">
-        <p14:creationId xmlns:p14="http://schemas.microsoft.com/office/powerpoint/2010/main" val="3128207247"/>
-      </p:ext>
-    </p:extLst>
-  </p:cSld>
-  <p:clrMapOvr>
-    <a:masterClrMapping/>
-  </p:clrMapOvr>
-</p:sld>
-</file>
-
-<file path=ppt/slides/slide20.xml><?xml version="1.0" encoding="utf-8"?>
+<file path=ppt/slides/slide21.xml><?xml version="1.0" encoding="utf-8"?>
 <p:sld xmlns:a="http://schemas.openxmlformats.org/drawingml/2006/main" xmlns:r="http://schemas.openxmlformats.org/officeDocument/2006/relationships" xmlns:p="http://schemas.openxmlformats.org/presentationml/2006/main">
   <p:cSld>
     <p:spTree>

--- a/ABC_call_analysis.pptx
+++ b/ABC_call_analysis.pptx
@@ -5,7 +5,7 @@
     <p:sldMasterId id="2147483660" r:id="rId1"/>
   </p:sldMasterIdLst>
   <p:notesMasterIdLst>
-    <p:notesMasterId r:id="rId23"/>
+    <p:notesMasterId r:id="rId24"/>
   </p:notesMasterIdLst>
   <p:sldIdLst>
     <p:sldId id="256" r:id="rId2"/>
@@ -28,7 +28,8 @@
     <p:sldId id="272" r:id="rId19"/>
     <p:sldId id="273" r:id="rId20"/>
     <p:sldId id="274" r:id="rId21"/>
-    <p:sldId id="275" r:id="rId22"/>
+    <p:sldId id="277" r:id="rId22"/>
+    <p:sldId id="275" r:id="rId23"/>
   </p:sldIdLst>
   <p:sldSz cx="9144000" cy="6858000" type="screen4x3"/>
   <p:notesSz cx="6858000" cy="9144000"/>
@@ -212,7 +213,7 @@
           <a:p>
             <a:fld id="{3D201854-7A16-48A0-AA2B-CC5B2279059D}" type="datetimeFigureOut">
               <a:rPr lang="en-IN" smtClean="0"/>
-              <a:t>25-05-2023</a:t>
+              <a:t>27-05-2023</a:t>
             </a:fld>
             <a:endParaRPr lang="en-IN"/>
           </a:p>
@@ -1189,7 +1190,7 @@
           <a:p>
             <a:fld id="{416CACEB-DAD4-4B9B-B164-C46B693B1563}" type="datetimeFigureOut">
               <a:rPr lang="en-IN" smtClean="0"/>
-              <a:t>25-05-2023</a:t>
+              <a:t>27-05-2023</a:t>
             </a:fld>
             <a:endParaRPr lang="en-IN"/>
           </a:p>
@@ -1385,7 +1386,7 @@
           <a:p>
             <a:fld id="{416CACEB-DAD4-4B9B-B164-C46B693B1563}" type="datetimeFigureOut">
               <a:rPr lang="en-IN" smtClean="0"/>
-              <a:t>25-05-2023</a:t>
+              <a:t>27-05-2023</a:t>
             </a:fld>
             <a:endParaRPr lang="en-IN"/>
           </a:p>
@@ -1570,7 +1571,7 @@
           <a:p>
             <a:fld id="{416CACEB-DAD4-4B9B-B164-C46B693B1563}" type="datetimeFigureOut">
               <a:rPr lang="en-IN" smtClean="0"/>
-              <a:t>25-05-2023</a:t>
+              <a:t>27-05-2023</a:t>
             </a:fld>
             <a:endParaRPr lang="en-IN"/>
           </a:p>
@@ -1720,7 +1721,7 @@
           <a:p>
             <a:fld id="{416CACEB-DAD4-4B9B-B164-C46B693B1563}" type="datetimeFigureOut">
               <a:rPr lang="en-IN" smtClean="0"/>
-              <a:t>25-05-2023</a:t>
+              <a:t>27-05-2023</a:t>
             </a:fld>
             <a:endParaRPr lang="en-IN"/>
           </a:p>
@@ -1975,7 +1976,7 @@
           <a:p>
             <a:fld id="{416CACEB-DAD4-4B9B-B164-C46B693B1563}" type="datetimeFigureOut">
               <a:rPr lang="en-IN" smtClean="0"/>
-              <a:t>25-05-2023</a:t>
+              <a:t>27-05-2023</a:t>
             </a:fld>
             <a:endParaRPr lang="en-IN"/>
           </a:p>
@@ -2384,7 +2385,7 @@
           <a:p>
             <a:fld id="{416CACEB-DAD4-4B9B-B164-C46B693B1563}" type="datetimeFigureOut">
               <a:rPr lang="en-IN" smtClean="0"/>
-              <a:t>25-05-2023</a:t>
+              <a:t>27-05-2023</a:t>
             </a:fld>
             <a:endParaRPr lang="en-IN"/>
           </a:p>
@@ -2830,7 +2831,7 @@
           <a:p>
             <a:fld id="{416CACEB-DAD4-4B9B-B164-C46B693B1563}" type="datetimeFigureOut">
               <a:rPr lang="en-IN" smtClean="0"/>
-              <a:t>25-05-2023</a:t>
+              <a:t>27-05-2023</a:t>
             </a:fld>
             <a:endParaRPr lang="en-IN"/>
           </a:p>
@@ -2931,7 +2932,7 @@
           <a:p>
             <a:fld id="{416CACEB-DAD4-4B9B-B164-C46B693B1563}" type="datetimeFigureOut">
               <a:rPr lang="en-IN" smtClean="0"/>
-              <a:t>25-05-2023</a:t>
+              <a:t>27-05-2023</a:t>
             </a:fld>
             <a:endParaRPr lang="en-IN"/>
           </a:p>
@@ -3052,7 +3053,7 @@
           <a:p>
             <a:fld id="{416CACEB-DAD4-4B9B-B164-C46B693B1563}" type="datetimeFigureOut">
               <a:rPr lang="en-IN" smtClean="0"/>
-              <a:t>25-05-2023</a:t>
+              <a:t>27-05-2023</a:t>
             </a:fld>
             <a:endParaRPr lang="en-IN"/>
           </a:p>
@@ -3326,7 +3327,7 @@
           <a:p>
             <a:fld id="{416CACEB-DAD4-4B9B-B164-C46B693B1563}" type="datetimeFigureOut">
               <a:rPr lang="en-IN" smtClean="0"/>
-              <a:t>25-05-2023</a:t>
+              <a:t>27-05-2023</a:t>
             </a:fld>
             <a:endParaRPr lang="en-IN"/>
           </a:p>
@@ -3531,7 +3532,7 @@
           <a:p>
             <a:fld id="{416CACEB-DAD4-4B9B-B164-C46B693B1563}" type="datetimeFigureOut">
               <a:rPr lang="en-IN" smtClean="0"/>
-              <a:t>25-05-2023</a:t>
+              <a:t>27-05-2023</a:t>
             </a:fld>
             <a:endParaRPr lang="en-IN"/>
           </a:p>
@@ -4640,7 +4641,7 @@
           <a:p>
             <a:fld id="{416CACEB-DAD4-4B9B-B164-C46B693B1563}" type="datetimeFigureOut">
               <a:rPr lang="en-IN" smtClean="0"/>
-              <a:t>25-05-2023</a:t>
+              <a:t>27-05-2023</a:t>
             </a:fld>
             <a:endParaRPr lang="en-IN"/>
           </a:p>
@@ -5607,194 +5608,68 @@
       </p:grpSpPr>
       <p:pic>
         <p:nvPicPr>
-          <p:cNvPr id="1026" name="Picture 2"/>
-          <p:cNvPicPr>
-            <a:picLocks noChangeAspect="1" noChangeArrowheads="1"/>
-          </p:cNvPicPr>
+          <p:cNvPr id="5" name="Picture 4"/>
+          <p:cNvPicPr/>
           <p:nvPr/>
         </p:nvPicPr>
         <p:blipFill>
-          <a:blip r:embed="rId2">
-            <a:extLst>
-              <a:ext uri="{28A0092B-C50C-407E-A947-70E740481C1C}">
-                <a14:useLocalDpi xmlns:a14="http://schemas.microsoft.com/office/drawing/2010/main" val="0"/>
-              </a:ext>
-            </a:extLst>
-          </a:blip>
-          <a:srcRect/>
+          <a:blip r:embed="rId2"/>
           <a:stretch>
             <a:fillRect/>
           </a:stretch>
         </p:blipFill>
-        <p:spPr bwMode="auto">
+        <p:spPr>
           <a:xfrm>
-            <a:off x="539552" y="476672"/>
-            <a:ext cx="8208913" cy="792088"/>
+            <a:off x="971600" y="764704"/>
+            <a:ext cx="6192688" cy="504056"/>
           </a:xfrm>
           <a:prstGeom prst="rect">
             <a:avLst/>
           </a:prstGeom>
-          <a:noFill/>
-          <a:ln>
-            <a:noFill/>
-          </a:ln>
-          <a:effectLst/>
-          <a:extLst>
-            <a:ext uri="{909E8E84-426E-40DD-AFC4-6F175D3DCCD1}">
-              <a14:hiddenFill xmlns:a14="http://schemas.microsoft.com/office/drawing/2010/main">
-                <a:solidFill>
-                  <a:schemeClr val="accent1"/>
-                </a:solidFill>
-              </a14:hiddenFill>
-            </a:ext>
-            <a:ext uri="{91240B29-F687-4F45-9708-019B960494DF}">
-              <a14:hiddenLine xmlns:a14="http://schemas.microsoft.com/office/drawing/2010/main" w="9525">
-                <a:solidFill>
-                  <a:schemeClr val="tx1"/>
-                </a:solidFill>
-                <a:miter lim="800000"/>
-                <a:headEnd/>
-                <a:tailEnd/>
-              </a14:hiddenLine>
-            </a:ext>
-            <a:ext uri="{AF507438-7753-43E0-B8FC-AC1667EBCBE1}">
-              <a14:hiddenEffects xmlns:a14="http://schemas.microsoft.com/office/drawing/2010/main">
-                <a:effectLst>
-                  <a:outerShdw dist="35921" dir="2700000" algn="ctr" rotWithShape="0">
-                    <a:schemeClr val="bg2"/>
-                  </a:outerShdw>
-                </a:effectLst>
-              </a14:hiddenEffects>
-            </a:ext>
-          </a:extLst>
         </p:spPr>
       </p:pic>
       <p:pic>
         <p:nvPicPr>
-          <p:cNvPr id="1027" name="Picture 3"/>
-          <p:cNvPicPr>
-            <a:picLocks noChangeAspect="1" noChangeArrowheads="1"/>
-          </p:cNvPicPr>
+          <p:cNvPr id="6" name="Picture 5"/>
+          <p:cNvPicPr/>
           <p:nvPr/>
         </p:nvPicPr>
         <p:blipFill>
-          <a:blip r:embed="rId3">
-            <a:extLst>
-              <a:ext uri="{28A0092B-C50C-407E-A947-70E740481C1C}">
-                <a14:useLocalDpi xmlns:a14="http://schemas.microsoft.com/office/drawing/2010/main" val="0"/>
-              </a:ext>
-            </a:extLst>
-          </a:blip>
-          <a:srcRect/>
+          <a:blip r:embed="rId3"/>
           <a:stretch>
             <a:fillRect/>
           </a:stretch>
         </p:blipFill>
-        <p:spPr bwMode="auto">
+        <p:spPr>
           <a:xfrm>
-            <a:off x="971600" y="1700808"/>
-            <a:ext cx="6768752" cy="798190"/>
+            <a:off x="938777" y="1772816"/>
+            <a:ext cx="6225511" cy="474980"/>
           </a:xfrm>
           <a:prstGeom prst="rect">
             <a:avLst/>
           </a:prstGeom>
-          <a:noFill/>
-          <a:ln>
-            <a:noFill/>
-          </a:ln>
-          <a:effectLst/>
-          <a:extLst>
-            <a:ext uri="{909E8E84-426E-40DD-AFC4-6F175D3DCCD1}">
-              <a14:hiddenFill xmlns:a14="http://schemas.microsoft.com/office/drawing/2010/main">
-                <a:solidFill>
-                  <a:schemeClr val="accent1"/>
-                </a:solidFill>
-              </a14:hiddenFill>
-            </a:ext>
-            <a:ext uri="{91240B29-F687-4F45-9708-019B960494DF}">
-              <a14:hiddenLine xmlns:a14="http://schemas.microsoft.com/office/drawing/2010/main" w="9525">
-                <a:solidFill>
-                  <a:schemeClr val="tx1"/>
-                </a:solidFill>
-                <a:miter lim="800000"/>
-                <a:headEnd/>
-                <a:tailEnd/>
-              </a14:hiddenLine>
-            </a:ext>
-            <a:ext uri="{AF507438-7753-43E0-B8FC-AC1667EBCBE1}">
-              <a14:hiddenEffects xmlns:a14="http://schemas.microsoft.com/office/drawing/2010/main">
-                <a:effectLst>
-                  <a:outerShdw dist="35921" dir="2700000" algn="ctr" rotWithShape="0">
-                    <a:schemeClr val="bg2"/>
-                  </a:outerShdw>
-                </a:effectLst>
-              </a14:hiddenEffects>
-            </a:ext>
-          </a:extLst>
         </p:spPr>
       </p:pic>
       <p:pic>
         <p:nvPicPr>
-          <p:cNvPr id="1028" name="Picture 4"/>
-          <p:cNvPicPr>
-            <a:picLocks noChangeAspect="1" noChangeArrowheads="1"/>
-          </p:cNvPicPr>
+          <p:cNvPr id="7" name="Picture 6"/>
+          <p:cNvPicPr/>
           <p:nvPr/>
         </p:nvPicPr>
         <p:blipFill>
-          <a:blip r:embed="rId4">
-            <a:extLst>
-              <a:ext uri="{28A0092B-C50C-407E-A947-70E740481C1C}">
-                <a14:useLocalDpi xmlns:a14="http://schemas.microsoft.com/office/drawing/2010/main" val="0"/>
-              </a:ext>
-            </a:extLst>
-          </a:blip>
-          <a:srcRect/>
+          <a:blip r:embed="rId4"/>
           <a:stretch>
             <a:fillRect/>
           </a:stretch>
         </p:blipFill>
-        <p:spPr bwMode="auto">
+        <p:spPr>
           <a:xfrm>
-            <a:off x="971600" y="2708920"/>
-            <a:ext cx="6768752" cy="3096344"/>
+            <a:off x="1079732" y="2636912"/>
+            <a:ext cx="6084556" cy="2304256"/>
           </a:xfrm>
           <a:prstGeom prst="rect">
             <a:avLst/>
           </a:prstGeom>
-          <a:noFill/>
-          <a:ln>
-            <a:noFill/>
-          </a:ln>
-          <a:effectLst/>
-          <a:extLst>
-            <a:ext uri="{909E8E84-426E-40DD-AFC4-6F175D3DCCD1}">
-              <a14:hiddenFill xmlns:a14="http://schemas.microsoft.com/office/drawing/2010/main">
-                <a:solidFill>
-                  <a:schemeClr val="accent1"/>
-                </a:solidFill>
-              </a14:hiddenFill>
-            </a:ext>
-            <a:ext uri="{91240B29-F687-4F45-9708-019B960494DF}">
-              <a14:hiddenLine xmlns:a14="http://schemas.microsoft.com/office/drawing/2010/main" w="9525">
-                <a:solidFill>
-                  <a:schemeClr val="tx1"/>
-                </a:solidFill>
-                <a:miter lim="800000"/>
-                <a:headEnd/>
-                <a:tailEnd/>
-              </a14:hiddenLine>
-            </a:ext>
-            <a:ext uri="{AF507438-7753-43E0-B8FC-AC1667EBCBE1}">
-              <a14:hiddenEffects xmlns:a14="http://schemas.microsoft.com/office/drawing/2010/main">
-                <a:effectLst>
-                  <a:outerShdw dist="35921" dir="2700000" algn="ctr" rotWithShape="0">
-                    <a:schemeClr val="bg2"/>
-                  </a:outerShdw>
-                </a:effectLst>
-              </a14:hiddenEffects>
-            </a:ext>
-          </a:extLst>
         </p:spPr>
       </p:pic>
     </p:spTree>
@@ -5829,68 +5704,28 @@
       </p:grpSpPr>
       <p:pic>
         <p:nvPicPr>
-          <p:cNvPr id="2050" name="Picture 2"/>
+          <p:cNvPr id="4" name="Content Placeholder 3"/>
           <p:cNvPicPr>
-            <a:picLocks noGrp="1" noChangeAspect="1" noChangeArrowheads="1"/>
+            <a:picLocks noGrp="1"/>
           </p:cNvPicPr>
           <p:nvPr>
             <p:ph idx="1"/>
           </p:nvPr>
         </p:nvPicPr>
         <p:blipFill>
-          <a:blip r:embed="rId2">
-            <a:extLst>
-              <a:ext uri="{28A0092B-C50C-407E-A947-70E740481C1C}">
-                <a14:useLocalDpi xmlns:a14="http://schemas.microsoft.com/office/drawing/2010/main" val="0"/>
-              </a:ext>
-            </a:extLst>
-          </a:blip>
-          <a:srcRect/>
+          <a:blip r:embed="rId2"/>
           <a:stretch>
             <a:fillRect/>
           </a:stretch>
         </p:blipFill>
-        <p:spPr bwMode="auto">
+        <p:spPr>
           <a:xfrm>
-            <a:off x="1403649" y="1412777"/>
-            <a:ext cx="6408712" cy="3755330"/>
+            <a:off x="1447800" y="1556792"/>
+            <a:ext cx="6248400" cy="3600401"/>
           </a:xfrm>
           <a:prstGeom prst="rect">
             <a:avLst/>
           </a:prstGeom>
-          <a:noFill/>
-          <a:ln>
-            <a:noFill/>
-          </a:ln>
-          <a:effectLst/>
-          <a:extLst>
-            <a:ext uri="{909E8E84-426E-40DD-AFC4-6F175D3DCCD1}">
-              <a14:hiddenFill xmlns:a14="http://schemas.microsoft.com/office/drawing/2010/main">
-                <a:solidFill>
-                  <a:schemeClr val="accent1"/>
-                </a:solidFill>
-              </a14:hiddenFill>
-            </a:ext>
-            <a:ext uri="{91240B29-F687-4F45-9708-019B960494DF}">
-              <a14:hiddenLine xmlns:a14="http://schemas.microsoft.com/office/drawing/2010/main" w="9525">
-                <a:solidFill>
-                  <a:schemeClr val="tx1"/>
-                </a:solidFill>
-                <a:miter lim="800000"/>
-                <a:headEnd/>
-                <a:tailEnd/>
-              </a14:hiddenLine>
-            </a:ext>
-            <a:ext uri="{AF507438-7753-43E0-B8FC-AC1667EBCBE1}">
-              <a14:hiddenEffects xmlns:a14="http://schemas.microsoft.com/office/drawing/2010/main">
-                <a:effectLst>
-                  <a:outerShdw dist="35921" dir="2700000" algn="ctr" rotWithShape="0">
-                    <a:schemeClr val="bg2"/>
-                  </a:outerShdw>
-                </a:effectLst>
-              </a14:hiddenEffects>
-            </a:ext>
-          </a:extLst>
         </p:spPr>
       </p:pic>
     </p:spTree>
@@ -6071,7 +5906,19 @@
           <a:p>
             <a:r>
               <a:rPr lang="en-IN" dirty="0" smtClean="0"/>
-              <a:t>Find total agent required to answered  90% call is ~38.</a:t>
+              <a:t>Find total agent required to answered  90% call is </a:t>
+            </a:r>
+            <a:r>
+              <a:rPr lang="en-IN" dirty="0" smtClean="0"/>
+              <a:t>~</a:t>
+            </a:r>
+            <a:r>
+              <a:rPr lang="en-IN" dirty="0" smtClean="0"/>
+              <a:t>57</a:t>
+            </a:r>
+            <a:r>
+              <a:rPr lang="en-IN" dirty="0" smtClean="0"/>
+              <a:t>.</a:t>
             </a:r>
             <a:endParaRPr lang="en-IN" dirty="0"/>
           </a:p>
@@ -6444,7 +6291,7 @@
       </p:grpSpPr>
       <p:pic>
         <p:nvPicPr>
-          <p:cNvPr id="4098" name="Picture 2"/>
+          <p:cNvPr id="1026" name="Picture 2"/>
           <p:cNvPicPr>
             <a:picLocks noChangeAspect="1" noChangeArrowheads="1"/>
           </p:cNvPicPr>
@@ -6465,8 +6312,8 @@
         </p:blipFill>
         <p:spPr bwMode="auto">
           <a:xfrm>
-            <a:off x="1115616" y="1772816"/>
-            <a:ext cx="6264695" cy="2499147"/>
+            <a:off x="1259632" y="1700808"/>
+            <a:ext cx="5904655" cy="2427139"/>
           </a:xfrm>
           <a:prstGeom prst="rect">
             <a:avLst/>
@@ -6508,7 +6355,7 @@
       </p:pic>
       <p:pic>
         <p:nvPicPr>
-          <p:cNvPr id="4099" name="Picture 3"/>
+          <p:cNvPr id="1027" name="Picture 3"/>
           <p:cNvPicPr>
             <a:picLocks noChangeAspect="1" noChangeArrowheads="1"/>
           </p:cNvPicPr>
@@ -6529,8 +6376,8 @@
         </p:blipFill>
         <p:spPr bwMode="auto">
           <a:xfrm>
-            <a:off x="1115616" y="4509120"/>
-            <a:ext cx="6192688" cy="792088"/>
+            <a:off x="1403648" y="4581128"/>
+            <a:ext cx="5760639" cy="648072"/>
           </a:xfrm>
           <a:prstGeom prst="rect">
             <a:avLst/>
@@ -6762,7 +6609,7 @@
       </p:grpSpPr>
       <p:pic>
         <p:nvPicPr>
-          <p:cNvPr id="5122" name="Picture 2"/>
+          <p:cNvPr id="2050" name="Picture 2"/>
           <p:cNvPicPr>
             <a:picLocks noGrp="1" noChangeAspect="1" noChangeArrowheads="1"/>
           </p:cNvPicPr>
@@ -6785,8 +6632,8 @@
         </p:blipFill>
         <p:spPr bwMode="auto">
           <a:xfrm>
-            <a:off x="1907704" y="1772816"/>
-            <a:ext cx="5400600" cy="3744416"/>
+            <a:off x="1691680" y="1700808"/>
+            <a:ext cx="5400600" cy="3762573"/>
           </a:xfrm>
           <a:prstGeom prst="rect">
             <a:avLst/>
@@ -6840,6 +6687,88 @@
 </file>
 
 <file path=ppt/slides/slide21.xml><?xml version="1.0" encoding="utf-8"?>
+<p:sld xmlns:a="http://schemas.openxmlformats.org/drawingml/2006/main" xmlns:r="http://schemas.openxmlformats.org/officeDocument/2006/relationships" xmlns:p="http://schemas.openxmlformats.org/presentationml/2006/main">
+  <p:cSld>
+    <p:spTree>
+      <p:nvGrpSpPr>
+        <p:cNvPr id="1" name=""/>
+        <p:cNvGrpSpPr/>
+        <p:nvPr/>
+      </p:nvGrpSpPr>
+      <p:grpSpPr>
+        <a:xfrm>
+          <a:off x="0" y="0"/>
+          <a:ext cx="0" cy="0"/>
+          <a:chOff x="0" y="0"/>
+          <a:chExt cx="0" cy="0"/>
+        </a:xfrm>
+      </p:grpSpPr>
+      <p:sp>
+        <p:nvSpPr>
+          <p:cNvPr id="2" name="Content Placeholder 1"/>
+          <p:cNvSpPr>
+            <a:spLocks noGrp="1"/>
+          </p:cNvSpPr>
+          <p:nvPr>
+            <p:ph idx="1"/>
+          </p:nvPr>
+        </p:nvSpPr>
+        <p:spPr/>
+        <p:txBody>
+          <a:bodyPr/>
+          <a:lstStyle/>
+          <a:p>
+            <a:pPr marL="109728" indent="0">
+              <a:buNone/>
+            </a:pPr>
+            <a:r>
+              <a:rPr lang="en-IN" dirty="0" smtClean="0"/>
+              <a:t>For excel solution </a:t>
+            </a:r>
+            <a:r>
+              <a:rPr lang="en-IN" dirty="0"/>
+              <a:t>please </a:t>
+            </a:r>
+            <a:r>
+              <a:rPr lang="en-IN" dirty="0" smtClean="0"/>
+              <a:t>refer the below link</a:t>
+            </a:r>
+          </a:p>
+          <a:p>
+            <a:pPr marL="109728" indent="0">
+              <a:buNone/>
+            </a:pPr>
+            <a:endParaRPr lang="en-IN" dirty="0" smtClean="0"/>
+          </a:p>
+          <a:p>
+            <a:pPr marL="109728" indent="0">
+              <a:buNone/>
+            </a:pPr>
+            <a:r>
+              <a:rPr lang="en-IN" u="sng" dirty="0">
+                <a:solidFill>
+                  <a:srgbClr val="0070C0"/>
+                </a:solidFill>
+              </a:rPr>
+              <a:t>https://github.com/ruchita51/Trainity/blob/main/Call_Trend_Analysis_Project.xlsx</a:t>
+            </a:r>
+          </a:p>
+        </p:txBody>
+      </p:sp>
+    </p:spTree>
+    <p:extLst>
+      <p:ext uri="{BB962C8B-B14F-4D97-AF65-F5344CB8AC3E}">
+        <p14:creationId xmlns:p14="http://schemas.microsoft.com/office/powerpoint/2010/main" val="3140511567"/>
+      </p:ext>
+    </p:extLst>
+  </p:cSld>
+  <p:clrMapOvr>
+    <a:masterClrMapping/>
+  </p:clrMapOvr>
+</p:sld>
+</file>
+
+<file path=ppt/slides/slide22.xml><?xml version="1.0" encoding="utf-8"?>
 <p:sld xmlns:a="http://schemas.openxmlformats.org/drawingml/2006/main" xmlns:r="http://schemas.openxmlformats.org/officeDocument/2006/relationships" xmlns:p="http://schemas.openxmlformats.org/presentationml/2006/main">
   <p:cSld>
     <p:spTree>
